--- a/Text.pptx
+++ b/Text.pptx
@@ -3075,8 +3075,12 @@
           <a:lstStyle/>
           <a:p>
             <a:r>
-              <a:rPr lang="en-US" smtClean="0"/>
-              <a:t>ADITYA SHARMA IS THE BEST</a:t>
+              <a:rPr lang="en-US" dirty="0" smtClean="0"/>
+              <a:t>ADITYA SHARMA IS THE </a:t>
+            </a:r>
+            <a:r>
+              <a:rPr lang="en-US" smtClean="0"/>
+              <a:t>BEST AND SMART</a:t>
             </a:r>
             <a:endParaRPr lang="en-US"/>
           </a:p>
